--- a/Hands-on Modules/Embedding/_13. Use Cases.pptx
+++ b/Hands-on Modules/Embedding/_13. Use Cases.pptx
@@ -6,7 +6,7 @@
     <p:sldMasterId id="2147483660" r:id="rId2"/>
   </p:sldMasterIdLst>
   <p:notesMasterIdLst>
-    <p:notesMasterId r:id="rId10"/>
+    <p:notesMasterId r:id="rId12"/>
   </p:notesMasterIdLst>
   <p:sldIdLst>
     <p:sldId id="256" r:id="rId3"/>
@@ -16,6 +16,8 @@
     <p:sldId id="303" r:id="rId7"/>
     <p:sldId id="304" r:id="rId8"/>
     <p:sldId id="305" r:id="rId9"/>
+    <p:sldId id="333" r:id="rId10"/>
+    <p:sldId id="315" r:id="rId11"/>
   </p:sldIdLst>
   <p:sldSz cx="12192000" cy="6858000"/>
   <p:notesSz cx="6858000" cy="9144000"/>
@@ -114,6 +116,11 @@
       </a:defRPr>
     </a:lvl9pPr>
   </p:defaultTextStyle>
+  <p:extLst>
+    <p:ext uri="{EFAFB233-063F-42B5-8137-9DF3F51BA10A}">
+      <p15:sldGuideLst xmlns:p15="http://schemas.microsoft.com/office/powerpoint/2012/main"/>
+    </p:ext>
+  </p:extLst>
 </p:presentation>
 </file>
 
@@ -199,7 +206,7 @@
           <a:p>
             <a:fld id="{992A6AC0-EA3F-4A71-9973-BA4353229670}" type="datetimeFigureOut">
               <a:rPr lang="en-US" smtClean="0"/>
-              <a:t>2/21/2019</a:t>
+              <a:t>2/27/2019</a:t>
             </a:fld>
             <a:endParaRPr lang="en-US"/>
           </a:p>
@@ -709,7 +716,7 @@
                 <a:tabLst/>
                 <a:defRPr/>
               </a:pPr>
-              <a:t>2/21/2019 10:23 PM</a:t>
+              <a:t>2/27/2019 5:11 PM</a:t>
             </a:fld>
             <a:endParaRPr kumimoji="0" lang="en-US" sz="1200" b="0" i="0" u="none" strike="noStrike" kern="1200" cap="none" spc="0" normalizeH="0" baseline="0" noProof="0" dirty="0">
               <a:ln>
@@ -1544,6 +1551,403 @@
 </p:notes>
 </file>
 
+<file path=ppt/notesSlides/notesSlide7.xml><?xml version="1.0" encoding="utf-8"?>
+<p:notes xmlns:a="http://schemas.openxmlformats.org/drawingml/2006/main" xmlns:r="http://schemas.openxmlformats.org/officeDocument/2006/relationships" xmlns:p="http://schemas.openxmlformats.org/presentationml/2006/main">
+  <p:cSld>
+    <p:spTree>
+      <p:nvGrpSpPr>
+        <p:cNvPr id="1" name=""/>
+        <p:cNvGrpSpPr/>
+        <p:nvPr/>
+      </p:nvGrpSpPr>
+      <p:grpSpPr>
+        <a:xfrm>
+          <a:off x="0" y="0"/>
+          <a:ext cx="0" cy="0"/>
+          <a:chOff x="0" y="0"/>
+          <a:chExt cx="0" cy="0"/>
+        </a:xfrm>
+      </p:grpSpPr>
+      <p:sp>
+        <p:nvSpPr>
+          <p:cNvPr id="2" name="Slide Image Placeholder 1"/>
+          <p:cNvSpPr>
+            <a:spLocks noGrp="1" noRot="1" noChangeAspect="1"/>
+          </p:cNvSpPr>
+          <p:nvPr>
+            <p:ph type="sldImg"/>
+          </p:nvPr>
+        </p:nvSpPr>
+        <p:spPr/>
+      </p:sp>
+      <p:sp>
+        <p:nvSpPr>
+          <p:cNvPr id="3" name="Notes Placeholder 2"/>
+          <p:cNvSpPr>
+            <a:spLocks noGrp="1"/>
+          </p:cNvSpPr>
+          <p:nvPr>
+            <p:ph type="body" idx="1"/>
+          </p:nvPr>
+        </p:nvSpPr>
+        <p:spPr/>
+        <p:txBody>
+          <a:bodyPr/>
+          <a:lstStyle/>
+          <a:p>
+            <a:endParaRPr lang="en-US" dirty="0"/>
+          </a:p>
+        </p:txBody>
+      </p:sp>
+      <p:sp>
+        <p:nvSpPr>
+          <p:cNvPr id="4" name="Header Placeholder 3"/>
+          <p:cNvSpPr>
+            <a:spLocks noGrp="1"/>
+          </p:cNvSpPr>
+          <p:nvPr>
+            <p:ph type="hdr" sz="quarter" idx="10"/>
+          </p:nvPr>
+        </p:nvSpPr>
+        <p:spPr/>
+        <p:txBody>
+          <a:bodyPr/>
+          <a:lstStyle/>
+          <a:p>
+            <a:endParaRPr lang="en-US" dirty="0"/>
+          </a:p>
+        </p:txBody>
+      </p:sp>
+      <p:sp>
+        <p:nvSpPr>
+          <p:cNvPr id="5" name="Footer Placeholder 4"/>
+          <p:cNvSpPr>
+            <a:spLocks noGrp="1"/>
+          </p:cNvSpPr>
+          <p:nvPr>
+            <p:ph type="ftr" sz="quarter" idx="11"/>
+          </p:nvPr>
+        </p:nvSpPr>
+        <p:spPr/>
+        <p:txBody>
+          <a:bodyPr/>
+          <a:lstStyle/>
+          <a:p>
+            <a:pPr defTabSz="914099" eaLnBrk="0" hangingPunct="0"/>
+            <a:r>
+              <a:rPr lang="en-US" sz="400">
+                <a:gradFill>
+                  <a:gsLst>
+                    <a:gs pos="0">
+                      <a:prstClr val="black"/>
+                    </a:gs>
+                    <a:gs pos="100000">
+                      <a:prstClr val="black"/>
+                    </a:gs>
+                  </a:gsLst>
+                  <a:lin ang="5400000" scaled="0"/>
+                </a:gradFill>
+                <a:latin typeface="Segoe UI" pitchFamily="34" charset="0"/>
+                <a:ea typeface="Segoe UI" pitchFamily="34" charset="0"/>
+                <a:cs typeface="Segoe UI" pitchFamily="34" charset="0"/>
+              </a:rPr>
+              <a:t>© Microsoft Corporation. All rights reserved. MICROSOFT MAKES NO WARRANTIES, EXPRESS, IMPLIED OR STATUTORY, AS TO THE INFORMATION IN THIS PRESENTATION.</a:t>
+            </a:r>
+            <a:endParaRPr lang="en-US" sz="400" dirty="0">
+              <a:gradFill>
+                <a:gsLst>
+                  <a:gs pos="0">
+                    <a:prstClr val="black"/>
+                  </a:gs>
+                  <a:gs pos="100000">
+                    <a:prstClr val="black"/>
+                  </a:gs>
+                </a:gsLst>
+                <a:lin ang="5400000" scaled="0"/>
+              </a:gradFill>
+              <a:latin typeface="Segoe UI" pitchFamily="34" charset="0"/>
+              <a:ea typeface="Segoe UI" pitchFamily="34" charset="0"/>
+              <a:cs typeface="Segoe UI" pitchFamily="34" charset="0"/>
+            </a:endParaRPr>
+          </a:p>
+        </p:txBody>
+      </p:sp>
+      <p:sp>
+        <p:nvSpPr>
+          <p:cNvPr id="6" name="Date Placeholder 5"/>
+          <p:cNvSpPr>
+            <a:spLocks noGrp="1"/>
+          </p:cNvSpPr>
+          <p:nvPr>
+            <p:ph type="dt" idx="12"/>
+          </p:nvPr>
+        </p:nvSpPr>
+        <p:spPr/>
+        <p:txBody>
+          <a:bodyPr/>
+          <a:lstStyle/>
+          <a:p>
+            <a:fld id="{35A2D088-BDBD-41A5-ADCE-5C6A4DC08057}" type="datetime8">
+              <a:rPr lang="en-US" smtClean="0"/>
+              <a:t>2/27/2019 5:12 PM</a:t>
+            </a:fld>
+            <a:endParaRPr lang="en-US" dirty="0"/>
+          </a:p>
+        </p:txBody>
+      </p:sp>
+      <p:sp>
+        <p:nvSpPr>
+          <p:cNvPr id="7" name="Slide Number Placeholder 6"/>
+          <p:cNvSpPr>
+            <a:spLocks noGrp="1"/>
+          </p:cNvSpPr>
+          <p:nvPr>
+            <p:ph type="sldNum" sz="quarter" idx="13"/>
+          </p:nvPr>
+        </p:nvSpPr>
+        <p:spPr/>
+        <p:txBody>
+          <a:bodyPr/>
+          <a:lstStyle/>
+          <a:p>
+            <a:fld id="{B4008EB6-D09E-4580-8CD6-DDB14511944F}" type="slidenum">
+              <a:rPr lang="en-US" smtClean="0"/>
+              <a:pPr/>
+              <a:t>8</a:t>
+            </a:fld>
+            <a:endParaRPr lang="en-US" dirty="0"/>
+          </a:p>
+        </p:txBody>
+      </p:sp>
+    </p:spTree>
+    <p:extLst>
+      <p:ext uri="{BB962C8B-B14F-4D97-AF65-F5344CB8AC3E}">
+        <p14:creationId xmlns:p14="http://schemas.microsoft.com/office/powerpoint/2010/main" val="2006642493"/>
+      </p:ext>
+    </p:extLst>
+  </p:cSld>
+  <p:clrMapOvr>
+    <a:masterClrMapping/>
+  </p:clrMapOvr>
+</p:notes>
+</file>
+
+<file path=ppt/notesSlides/notesSlide8.xml><?xml version="1.0" encoding="utf-8"?>
+<p:notes xmlns:a="http://schemas.openxmlformats.org/drawingml/2006/main" xmlns:r="http://schemas.openxmlformats.org/officeDocument/2006/relationships" xmlns:p="http://schemas.openxmlformats.org/presentationml/2006/main">
+  <p:cSld>
+    <p:spTree>
+      <p:nvGrpSpPr>
+        <p:cNvPr id="1" name=""/>
+        <p:cNvGrpSpPr/>
+        <p:nvPr/>
+      </p:nvGrpSpPr>
+      <p:grpSpPr>
+        <a:xfrm>
+          <a:off x="0" y="0"/>
+          <a:ext cx="0" cy="0"/>
+          <a:chOff x="0" y="0"/>
+          <a:chExt cx="0" cy="0"/>
+        </a:xfrm>
+      </p:grpSpPr>
+      <p:sp>
+        <p:nvSpPr>
+          <p:cNvPr id="2" name="Slide Image Placeholder 1"/>
+          <p:cNvSpPr>
+            <a:spLocks noGrp="1" noRot="1" noChangeAspect="1"/>
+          </p:cNvSpPr>
+          <p:nvPr>
+            <p:ph type="sldImg"/>
+          </p:nvPr>
+        </p:nvSpPr>
+        <p:spPr>
+          <a:xfrm>
+            <a:off x="381000" y="685800"/>
+            <a:ext cx="6096000" cy="3429000"/>
+          </a:xfrm>
+        </p:spPr>
+      </p:sp>
+      <p:sp>
+        <p:nvSpPr>
+          <p:cNvPr id="3" name="Notes Placeholder 2"/>
+          <p:cNvSpPr>
+            <a:spLocks noGrp="1"/>
+          </p:cNvSpPr>
+          <p:nvPr>
+            <p:ph type="body" idx="1"/>
+          </p:nvPr>
+        </p:nvSpPr>
+        <p:spPr/>
+        <p:txBody>
+          <a:bodyPr>
+            <a:normAutofit/>
+          </a:bodyPr>
+          <a:lstStyle/>
+          <a:p>
+            <a:endParaRPr lang="en-US" dirty="0"/>
+          </a:p>
+        </p:txBody>
+      </p:sp>
+      <p:sp>
+        <p:nvSpPr>
+          <p:cNvPr id="4" name="Header Placeholder 3"/>
+          <p:cNvSpPr>
+            <a:spLocks noGrp="1"/>
+          </p:cNvSpPr>
+          <p:nvPr>
+            <p:ph type="hdr" sz="quarter" idx="10"/>
+          </p:nvPr>
+        </p:nvSpPr>
+        <p:spPr>
+          <a:xfrm>
+            <a:off x="0" y="0"/>
+            <a:ext cx="2971800" cy="457200"/>
+          </a:xfrm>
+          <a:prstGeom prst="rect">
+            <a:avLst/>
+          </a:prstGeom>
+        </p:spPr>
+        <p:txBody>
+          <a:bodyPr/>
+          <a:lstStyle/>
+          <a:p>
+            <a:endParaRPr lang="en-US" dirty="0">
+              <a:solidFill>
+                <a:prstClr val="black"/>
+              </a:solidFill>
+            </a:endParaRPr>
+          </a:p>
+        </p:txBody>
+      </p:sp>
+      <p:sp>
+        <p:nvSpPr>
+          <p:cNvPr id="5" name="Date Placeholder 4"/>
+          <p:cNvSpPr>
+            <a:spLocks noGrp="1"/>
+          </p:cNvSpPr>
+          <p:nvPr>
+            <p:ph type="dt" idx="11"/>
+          </p:nvPr>
+        </p:nvSpPr>
+        <p:spPr/>
+        <p:txBody>
+          <a:bodyPr/>
+          <a:lstStyle/>
+          <a:p>
+            <a:fld id="{8AB9A6D4-FB34-4BDB-BA1E-7271914431FC}" type="datetime8">
+              <a:rPr lang="en-US" smtClean="0">
+                <a:solidFill>
+                  <a:prstClr val="black"/>
+                </a:solidFill>
+              </a:rPr>
+              <a:t>2/27/2019 5:12 PM</a:t>
+            </a:fld>
+            <a:endParaRPr lang="en-US" dirty="0">
+              <a:solidFill>
+                <a:prstClr val="black"/>
+              </a:solidFill>
+            </a:endParaRPr>
+          </a:p>
+        </p:txBody>
+      </p:sp>
+      <p:sp>
+        <p:nvSpPr>
+          <p:cNvPr id="7" name="Slide Number Placeholder 6"/>
+          <p:cNvSpPr>
+            <a:spLocks noGrp="1"/>
+          </p:cNvSpPr>
+          <p:nvPr>
+            <p:ph type="sldNum" sz="quarter" idx="13"/>
+          </p:nvPr>
+        </p:nvSpPr>
+        <p:spPr/>
+        <p:txBody>
+          <a:bodyPr/>
+          <a:lstStyle/>
+          <a:p>
+            <a:fld id="{EC87E0CF-87F6-4B58-B8B8-DCAB2DAAF3CA}" type="slidenum">
+              <a:rPr lang="en-US" smtClean="0">
+                <a:solidFill>
+                  <a:prstClr val="black"/>
+                </a:solidFill>
+              </a:rPr>
+              <a:pPr/>
+              <a:t>9</a:t>
+            </a:fld>
+            <a:endParaRPr lang="en-US" dirty="0">
+              <a:solidFill>
+                <a:prstClr val="black"/>
+              </a:solidFill>
+            </a:endParaRPr>
+          </a:p>
+        </p:txBody>
+      </p:sp>
+      <p:sp>
+        <p:nvSpPr>
+          <p:cNvPr id="6" name="Footer Placeholder 5"/>
+          <p:cNvSpPr>
+            <a:spLocks noGrp="1"/>
+          </p:cNvSpPr>
+          <p:nvPr>
+            <p:ph type="ftr" sz="quarter" idx="14"/>
+          </p:nvPr>
+        </p:nvSpPr>
+        <p:spPr/>
+        <p:txBody>
+          <a:bodyPr/>
+          <a:lstStyle/>
+          <a:p>
+            <a:pPr defTabSz="914099" eaLnBrk="0" hangingPunct="0"/>
+            <a:r>
+              <a:rPr lang="en-US" sz="400">
+                <a:gradFill>
+                  <a:gsLst>
+                    <a:gs pos="0">
+                      <a:prstClr val="black"/>
+                    </a:gs>
+                    <a:gs pos="100000">
+                      <a:prstClr val="black"/>
+                    </a:gs>
+                  </a:gsLst>
+                  <a:lin ang="5400000" scaled="0"/>
+                </a:gradFill>
+                <a:latin typeface="Segoe UI" pitchFamily="34" charset="0"/>
+                <a:ea typeface="Segoe UI" pitchFamily="34" charset="0"/>
+                <a:cs typeface="Segoe UI" pitchFamily="34" charset="0"/>
+              </a:rPr>
+              <a:t>© Microsoft Corporation. All rights reserved. MICROSOFT MAKES NO WARRANTIES, EXPRESS, IMPLIED OR STATUTORY, AS TO THE INFORMATION IN THIS PRESENTATION.</a:t>
+            </a:r>
+            <a:endParaRPr lang="en-US" sz="400" dirty="0">
+              <a:gradFill>
+                <a:gsLst>
+                  <a:gs pos="0">
+                    <a:prstClr val="black"/>
+                  </a:gs>
+                  <a:gs pos="100000">
+                    <a:prstClr val="black"/>
+                  </a:gs>
+                </a:gsLst>
+                <a:lin ang="5400000" scaled="0"/>
+              </a:gradFill>
+              <a:latin typeface="Segoe UI" pitchFamily="34" charset="0"/>
+              <a:ea typeface="Segoe UI" pitchFamily="34" charset="0"/>
+              <a:cs typeface="Segoe UI" pitchFamily="34" charset="0"/>
+            </a:endParaRPr>
+          </a:p>
+        </p:txBody>
+      </p:sp>
+    </p:spTree>
+    <p:extLst>
+      <p:ext uri="{BB962C8B-B14F-4D97-AF65-F5344CB8AC3E}">
+        <p14:creationId xmlns:p14="http://schemas.microsoft.com/office/powerpoint/2010/main" val="4011344012"/>
+      </p:ext>
+    </p:extLst>
+  </p:cSld>
+  <p:clrMapOvr>
+    <a:masterClrMapping/>
+  </p:clrMapOvr>
+</p:notes>
+</file>
+
 <file path=ppt/slideLayouts/slideLayout1.xml><?xml version="1.0" encoding="utf-8"?>
 <p:sldLayout xmlns:a="http://schemas.openxmlformats.org/drawingml/2006/main" xmlns:r="http://schemas.openxmlformats.org/officeDocument/2006/relationships" xmlns:p="http://schemas.openxmlformats.org/presentationml/2006/main" type="title" preserve="1">
   <p:cSld name="Title Slide">
@@ -1691,7 +2095,7 @@
           <a:p>
             <a:fld id="{DC07221B-408D-4DA9-8DC9-48218AD299A7}" type="datetimeFigureOut">
               <a:rPr lang="en-US" smtClean="0"/>
-              <a:t>2/21/2019</a:t>
+              <a:t>2/27/2019</a:t>
             </a:fld>
             <a:endParaRPr lang="en-US"/>
           </a:p>
@@ -1889,7 +2293,7 @@
           <a:p>
             <a:fld id="{DC07221B-408D-4DA9-8DC9-48218AD299A7}" type="datetimeFigureOut">
               <a:rPr lang="en-US" smtClean="0"/>
-              <a:t>2/21/2019</a:t>
+              <a:t>2/27/2019</a:t>
             </a:fld>
             <a:endParaRPr lang="en-US"/>
           </a:p>
@@ -2097,7 +2501,7 @@
           <a:p>
             <a:fld id="{DC07221B-408D-4DA9-8DC9-48218AD299A7}" type="datetimeFigureOut">
               <a:rPr lang="en-US" smtClean="0"/>
-              <a:t>2/21/2019</a:t>
+              <a:t>2/27/2019</a:t>
             </a:fld>
             <a:endParaRPr lang="en-US"/>
           </a:p>
@@ -7297,7 +7701,7 @@
           <a:p>
             <a:fld id="{DC07221B-408D-4DA9-8DC9-48218AD299A7}" type="datetimeFigureOut">
               <a:rPr lang="en-US" smtClean="0"/>
-              <a:t>2/21/2019</a:t>
+              <a:t>2/27/2019</a:t>
             </a:fld>
             <a:endParaRPr lang="en-US"/>
           </a:p>
@@ -10250,7 +10654,7 @@
           <a:p>
             <a:fld id="{DC07221B-408D-4DA9-8DC9-48218AD299A7}" type="datetimeFigureOut">
               <a:rPr lang="en-US" smtClean="0"/>
-              <a:t>2/21/2019</a:t>
+              <a:t>2/27/2019</a:t>
             </a:fld>
             <a:endParaRPr lang="en-US"/>
           </a:p>
@@ -10503,7 +10907,7 @@
             <a:fld id="{2E809A50-B28D-413A-915D-87F91E5248C6}" type="datetimeFigureOut">
               <a:rPr lang="en-US" smtClean="0"/>
               <a:pPr/>
-              <a:t>2/21/2019</a:t>
+              <a:t>2/27/2019</a:t>
             </a:fld>
             <a:endParaRPr lang="en-US"/>
           </a:p>
@@ -10690,7 +11094,7 @@
           <a:p>
             <a:fld id="{1279C872-40C5-4778-A459-913B2790679C}" type="datetimeFigureOut">
               <a:rPr lang="en-US" smtClean="0"/>
-              <a:t>2/21/2019</a:t>
+              <a:t>2/27/2019</a:t>
             </a:fld>
             <a:endParaRPr lang="en-US"/>
           </a:p>
@@ -10955,7 +11359,7 @@
           <a:p>
             <a:fld id="{1279C872-40C5-4778-A459-913B2790679C}" type="datetimeFigureOut">
               <a:rPr lang="en-US" smtClean="0"/>
-              <a:t>2/21/2019</a:t>
+              <a:t>2/27/2019</a:t>
             </a:fld>
             <a:endParaRPr lang="en-US"/>
           </a:p>
@@ -11367,7 +11771,7 @@
           <a:p>
             <a:fld id="{1279C872-40C5-4778-A459-913B2790679C}" type="datetimeFigureOut">
               <a:rPr lang="en-US" smtClean="0"/>
-              <a:t>2/21/2019</a:t>
+              <a:t>2/27/2019</a:t>
             </a:fld>
             <a:endParaRPr lang="en-US"/>
           </a:p>
@@ -11632,7 +12036,7 @@
           <a:p>
             <a:fld id="{DC07221B-408D-4DA9-8DC9-48218AD299A7}" type="datetimeFigureOut">
               <a:rPr lang="en-US" smtClean="0"/>
-              <a:t>2/21/2019</a:t>
+              <a:t>2/27/2019</a:t>
             </a:fld>
             <a:endParaRPr lang="en-US"/>
           </a:p>
@@ -12044,7 +12448,7 @@
           <a:p>
             <a:fld id="{DC07221B-408D-4DA9-8DC9-48218AD299A7}" type="datetimeFigureOut">
               <a:rPr lang="en-US" smtClean="0"/>
-              <a:t>2/21/2019</a:t>
+              <a:t>2/27/2019</a:t>
             </a:fld>
             <a:endParaRPr lang="en-US"/>
           </a:p>
@@ -12185,7 +12589,7 @@
           <a:p>
             <a:fld id="{DC07221B-408D-4DA9-8DC9-48218AD299A7}" type="datetimeFigureOut">
               <a:rPr lang="en-US" smtClean="0"/>
-              <a:t>2/21/2019</a:t>
+              <a:t>2/27/2019</a:t>
             </a:fld>
             <a:endParaRPr lang="en-US"/>
           </a:p>
@@ -12298,7 +12702,7 @@
           <a:p>
             <a:fld id="{DC07221B-408D-4DA9-8DC9-48218AD299A7}" type="datetimeFigureOut">
               <a:rPr lang="en-US" smtClean="0"/>
-              <a:t>2/21/2019</a:t>
+              <a:t>2/27/2019</a:t>
             </a:fld>
             <a:endParaRPr lang="en-US"/>
           </a:p>
@@ -12609,7 +13013,7 @@
           <a:p>
             <a:fld id="{DC07221B-408D-4DA9-8DC9-48218AD299A7}" type="datetimeFigureOut">
               <a:rPr lang="en-US" smtClean="0"/>
-              <a:t>2/21/2019</a:t>
+              <a:t>2/27/2019</a:t>
             </a:fld>
             <a:endParaRPr lang="en-US"/>
           </a:p>
@@ -12897,7 +13301,7 @@
           <a:p>
             <a:fld id="{DC07221B-408D-4DA9-8DC9-48218AD299A7}" type="datetimeFigureOut">
               <a:rPr lang="en-US" smtClean="0"/>
-              <a:t>2/21/2019</a:t>
+              <a:t>2/27/2019</a:t>
             </a:fld>
             <a:endParaRPr lang="en-US"/>
           </a:p>
@@ -13138,7 +13542,7 @@
           <a:p>
             <a:fld id="{DC07221B-408D-4DA9-8DC9-48218AD299A7}" type="datetimeFigureOut">
               <a:rPr lang="en-US" smtClean="0"/>
-              <a:t>2/21/2019</a:t>
+              <a:t>2/27/2019</a:t>
             </a:fld>
             <a:endParaRPr lang="en-US"/>
           </a:p>
@@ -15342,6 +15746,116 @@
     </mc:Choice>
     <mc:Fallback xmlns="">
       <p:transition/>
+    </mc:Fallback>
+  </mc:AlternateContent>
+</p:sld>
+</file>
+
+<file path=ppt/slides/slide8.xml><?xml version="1.0" encoding="utf-8"?>
+<p:sld xmlns:a="http://schemas.openxmlformats.org/drawingml/2006/main" xmlns:r="http://schemas.openxmlformats.org/officeDocument/2006/relationships" xmlns:p="http://schemas.openxmlformats.org/presentationml/2006/main">
+  <p:cSld>
+    <p:spTree>
+      <p:nvGrpSpPr>
+        <p:cNvPr id="1" name=""/>
+        <p:cNvGrpSpPr/>
+        <p:nvPr/>
+      </p:nvGrpSpPr>
+      <p:grpSpPr>
+        <a:xfrm>
+          <a:off x="0" y="0"/>
+          <a:ext cx="0" cy="0"/>
+          <a:chOff x="0" y="0"/>
+          <a:chExt cx="0" cy="0"/>
+        </a:xfrm>
+      </p:grpSpPr>
+      <p:sp>
+        <p:nvSpPr>
+          <p:cNvPr id="2" name="Title 1"/>
+          <p:cNvSpPr>
+            <a:spLocks noGrp="1"/>
+          </p:cNvSpPr>
+          <p:nvPr>
+            <p:ph type="title"/>
+          </p:nvPr>
+        </p:nvSpPr>
+        <p:spPr/>
+        <p:txBody>
+          <a:bodyPr/>
+          <a:lstStyle/>
+          <a:p>
+            <a:r>
+              <a:rPr lang="en-US" dirty="0">
+                <a:solidFill>
+                  <a:schemeClr val="tx1"/>
+                </a:solidFill>
+              </a:rPr>
+              <a:t>Wrap Up</a:t>
+            </a:r>
+          </a:p>
+        </p:txBody>
+      </p:sp>
+    </p:spTree>
+    <p:extLst>
+      <p:ext uri="{BB962C8B-B14F-4D97-AF65-F5344CB8AC3E}">
+        <p14:creationId xmlns:p14="http://schemas.microsoft.com/office/powerpoint/2010/main" val="2714070568"/>
+      </p:ext>
+    </p:extLst>
+  </p:cSld>
+  <p:clrMapOvr>
+    <a:masterClrMapping/>
+  </p:clrMapOvr>
+  <mc:AlternateContent xmlns:mc="http://schemas.openxmlformats.org/markup-compatibility/2006" xmlns:p14="http://schemas.microsoft.com/office/powerpoint/2010/main">
+    <mc:Choice Requires="p14">
+      <p:transition spd="med" p14:dur="700">
+        <p:fade/>
+      </p:transition>
+    </mc:Choice>
+    <mc:Fallback xmlns="">
+      <p:transition spd="med">
+        <p:fade/>
+      </p:transition>
+    </mc:Fallback>
+  </mc:AlternateContent>
+</p:sld>
+</file>
+
+<file path=ppt/slides/slide9.xml><?xml version="1.0" encoding="utf-8"?>
+<p:sld xmlns:a="http://schemas.openxmlformats.org/drawingml/2006/main" xmlns:r="http://schemas.openxmlformats.org/officeDocument/2006/relationships" xmlns:p="http://schemas.openxmlformats.org/presentationml/2006/main">
+  <p:cSld>
+    <p:spTree>
+      <p:nvGrpSpPr>
+        <p:cNvPr id="1" name=""/>
+        <p:cNvGrpSpPr/>
+        <p:nvPr/>
+      </p:nvGrpSpPr>
+      <p:grpSpPr>
+        <a:xfrm>
+          <a:off x="0" y="0"/>
+          <a:ext cx="0" cy="0"/>
+          <a:chOff x="0" y="0"/>
+          <a:chExt cx="0" cy="0"/>
+        </a:xfrm>
+      </p:grpSpPr>
+    </p:spTree>
+    <p:extLst>
+      <p:ext uri="{BB962C8B-B14F-4D97-AF65-F5344CB8AC3E}">
+        <p14:creationId xmlns:p14="http://schemas.microsoft.com/office/powerpoint/2010/main" val="1897784522"/>
+      </p:ext>
+    </p:extLst>
+  </p:cSld>
+  <p:clrMapOvr>
+    <a:masterClrMapping/>
+  </p:clrMapOvr>
+  <mc:AlternateContent xmlns:mc="http://schemas.openxmlformats.org/markup-compatibility/2006" xmlns:p14="http://schemas.microsoft.com/office/powerpoint/2010/main">
+    <mc:Choice Requires="p14">
+      <p:transition spd="med" p14:dur="700">
+        <p:fade/>
+      </p:transition>
+    </mc:Choice>
+    <mc:Fallback xmlns="">
+      <p:transition spd="med">
+        <p:fade/>
+      </p:transition>
     </mc:Fallback>
   </mc:AlternateContent>
 </p:sld>
